--- a/figures/cover_page.pptx
+++ b/figures/cover_page.pptx
@@ -104,6 +104,11 @@
       </a:defRPr>
     </a:lvl9pPr>
   </p:defaultTextStyle>
+  <p:extLst>
+    <p:ext uri="{EFAFB233-063F-42B5-8137-9DF3F51BA10A}">
+      <p15:sldGuideLst xmlns:p15="http://schemas.microsoft.com/office/powerpoint/2012/main"/>
+    </p:ext>
+  </p:extLst>
 </p:presentation>
 </file>
 
@@ -238,7 +243,7 @@
           <a:p>
             <a:fld id="{9D0A19FE-C9DB-594E-B6DA-BE8D5EA5DEA3}" type="datetimeFigureOut">
               <a:rPr lang="en-US" smtClean="0"/>
-              <a:t>5/16/22</a:t>
+              <a:t>5/17/22</a:t>
             </a:fld>
             <a:endParaRPr lang="en-US"/>
           </a:p>
@@ -408,7 +413,7 @@
           <a:p>
             <a:fld id="{9D0A19FE-C9DB-594E-B6DA-BE8D5EA5DEA3}" type="datetimeFigureOut">
               <a:rPr lang="en-US" smtClean="0"/>
-              <a:t>5/16/22</a:t>
+              <a:t>5/17/22</a:t>
             </a:fld>
             <a:endParaRPr lang="en-US"/>
           </a:p>
@@ -588,7 +593,7 @@
           <a:p>
             <a:fld id="{9D0A19FE-C9DB-594E-B6DA-BE8D5EA5DEA3}" type="datetimeFigureOut">
               <a:rPr lang="en-US" smtClean="0"/>
-              <a:t>5/16/22</a:t>
+              <a:t>5/17/22</a:t>
             </a:fld>
             <a:endParaRPr lang="en-US"/>
           </a:p>
@@ -758,7 +763,7 @@
           <a:p>
             <a:fld id="{9D0A19FE-C9DB-594E-B6DA-BE8D5EA5DEA3}" type="datetimeFigureOut">
               <a:rPr lang="en-US" smtClean="0"/>
-              <a:t>5/16/22</a:t>
+              <a:t>5/17/22</a:t>
             </a:fld>
             <a:endParaRPr lang="en-US"/>
           </a:p>
@@ -1002,7 +1007,7 @@
           <a:p>
             <a:fld id="{9D0A19FE-C9DB-594E-B6DA-BE8D5EA5DEA3}" type="datetimeFigureOut">
               <a:rPr lang="en-US" smtClean="0"/>
-              <a:t>5/16/22</a:t>
+              <a:t>5/17/22</a:t>
             </a:fld>
             <a:endParaRPr lang="en-US"/>
           </a:p>
@@ -1234,7 +1239,7 @@
           <a:p>
             <a:fld id="{9D0A19FE-C9DB-594E-B6DA-BE8D5EA5DEA3}" type="datetimeFigureOut">
               <a:rPr lang="en-US" smtClean="0"/>
-              <a:t>5/16/22</a:t>
+              <a:t>5/17/22</a:t>
             </a:fld>
             <a:endParaRPr lang="en-US"/>
           </a:p>
@@ -1601,7 +1606,7 @@
           <a:p>
             <a:fld id="{9D0A19FE-C9DB-594E-B6DA-BE8D5EA5DEA3}" type="datetimeFigureOut">
               <a:rPr lang="en-US" smtClean="0"/>
-              <a:t>5/16/22</a:t>
+              <a:t>5/17/22</a:t>
             </a:fld>
             <a:endParaRPr lang="en-US"/>
           </a:p>
@@ -1719,7 +1724,7 @@
           <a:p>
             <a:fld id="{9D0A19FE-C9DB-594E-B6DA-BE8D5EA5DEA3}" type="datetimeFigureOut">
               <a:rPr lang="en-US" smtClean="0"/>
-              <a:t>5/16/22</a:t>
+              <a:t>5/17/22</a:t>
             </a:fld>
             <a:endParaRPr lang="en-US"/>
           </a:p>
@@ -1814,7 +1819,7 @@
           <a:p>
             <a:fld id="{9D0A19FE-C9DB-594E-B6DA-BE8D5EA5DEA3}" type="datetimeFigureOut">
               <a:rPr lang="en-US" smtClean="0"/>
-              <a:t>5/16/22</a:t>
+              <a:t>5/17/22</a:t>
             </a:fld>
             <a:endParaRPr lang="en-US"/>
           </a:p>
@@ -2091,7 +2096,7 @@
           <a:p>
             <a:fld id="{9D0A19FE-C9DB-594E-B6DA-BE8D5EA5DEA3}" type="datetimeFigureOut">
               <a:rPr lang="en-US" smtClean="0"/>
-              <a:t>5/16/22</a:t>
+              <a:t>5/17/22</a:t>
             </a:fld>
             <a:endParaRPr lang="en-US"/>
           </a:p>
@@ -2348,7 +2353,7 @@
           <a:p>
             <a:fld id="{9D0A19FE-C9DB-594E-B6DA-BE8D5EA5DEA3}" type="datetimeFigureOut">
               <a:rPr lang="en-US" smtClean="0"/>
-              <a:t>5/16/22</a:t>
+              <a:t>5/17/22</a:t>
             </a:fld>
             <a:endParaRPr lang="en-US"/>
           </a:p>
@@ -2561,7 +2566,7 @@
           <a:p>
             <a:fld id="{9D0A19FE-C9DB-594E-B6DA-BE8D5EA5DEA3}" type="datetimeFigureOut">
               <a:rPr lang="en-US" smtClean="0"/>
-              <a:t>5/16/22</a:t>
+              <a:t>5/17/22</a:t>
             </a:fld>
             <a:endParaRPr lang="en-US"/>
           </a:p>
@@ -2987,7 +2992,7 @@
         </p:blipFill>
         <p:spPr>
           <a:xfrm>
-            <a:off x="2427513" y="7149810"/>
+            <a:off x="2427513" y="7259639"/>
             <a:ext cx="1545772" cy="585703"/>
           </a:xfrm>
           <a:prstGeom prst="rect">
@@ -3009,8 +3014,8 @@
         </p:nvSpPr>
         <p:spPr>
           <a:xfrm>
-            <a:off x="1656455" y="5692241"/>
-            <a:ext cx="3087888" cy="400110"/>
+            <a:off x="187031" y="5016449"/>
+            <a:ext cx="6026727" cy="1015663"/>
           </a:xfrm>
           <a:prstGeom prst="rect">
             <a:avLst/>
@@ -3023,16 +3028,71 @@
           </a:bodyPr>
           <a:lstStyle/>
           <a:p>
-            <a:pPr algn="ctr"/>
-            <a:r>
-              <a:rPr lang="en-US" sz="2000" dirty="0" err="1">
+            <a:pPr algn="ctr">
+              <a:lnSpc>
+                <a:spcPct val="150000"/>
+              </a:lnSpc>
+            </a:pPr>
+            <a:r>
+              <a:rPr lang="en-US" sz="2800" dirty="0">
                 <a:latin typeface="Charter Roman" panose="02040503050506020203" pitchFamily="18" charset="0"/>
               </a:rPr>
-              <a:t>biologicalmodeling.org</a:t>
+              <a:t>Phillip </a:t>
+            </a:r>
+            <a:r>
+              <a:rPr lang="en-US" sz="2800" dirty="0" err="1">
+                <a:latin typeface="Charter Roman" panose="02040503050506020203" pitchFamily="18" charset="0"/>
+              </a:rPr>
+              <a:t>Compeau</a:t>
             </a:r>
             <a:endParaRPr lang="en-US" sz="2000" dirty="0">
               <a:latin typeface="Charter Roman" panose="02040503050506020203" pitchFamily="18" charset="0"/>
             </a:endParaRPr>
+          </a:p>
+          <a:p>
+            <a:pPr algn="ctr"/>
+            <a:r>
+              <a:rPr lang="en-US" dirty="0">
+                <a:latin typeface="Charter Roman" panose="02040503050506020203" pitchFamily="18" charset="0"/>
+              </a:rPr>
+              <a:t>with </a:t>
+            </a:r>
+            <a:r>
+              <a:rPr lang="en-US" dirty="0" err="1">
+                <a:latin typeface="Charter Roman" panose="02040503050506020203" pitchFamily="18" charset="0"/>
+              </a:rPr>
+              <a:t>Mert</a:t>
+            </a:r>
+            <a:r>
+              <a:rPr lang="en-US" dirty="0">
+                <a:latin typeface="Charter Roman" panose="02040503050506020203" pitchFamily="18" charset="0"/>
+              </a:rPr>
+              <a:t> </a:t>
+            </a:r>
+            <a:r>
+              <a:rPr lang="en-US" dirty="0" err="1">
+                <a:latin typeface="Charter Roman" panose="02040503050506020203" pitchFamily="18" charset="0"/>
+              </a:rPr>
+              <a:t>Inan</a:t>
+            </a:r>
+            <a:r>
+              <a:rPr lang="en-US" dirty="0">
+                <a:latin typeface="Charter Roman" panose="02040503050506020203" pitchFamily="18" charset="0"/>
+              </a:rPr>
+              <a:t>, Noah Lee, Chris Lee, and </a:t>
+            </a:r>
+            <a:r>
+              <a:rPr lang="en-US" dirty="0" err="1">
+                <a:latin typeface="Charter Roman" panose="02040503050506020203" pitchFamily="18" charset="0"/>
+              </a:rPr>
+              <a:t>Shuanger</a:t>
+            </a:r>
+            <a:r>
+              <a:rPr lang="en-US" dirty="0">
+                <a:latin typeface="Charter Roman" panose="02040503050506020203" pitchFamily="18" charset="0"/>
+              </a:rPr>
+              <a:t> Li</a:t>
+            </a:r>
           </a:p>
         </p:txBody>
       </p:sp>
@@ -3066,10 +3126,10 @@
           <a:p>
             <a:pPr algn="ctr"/>
             <a:r>
-              <a:rPr lang="en-US" sz="3600" dirty="0">
+              <a:rPr lang="en-US" sz="3600" b="1" dirty="0">
                 <a:latin typeface="Charter Roman" panose="02040503050506020203" pitchFamily="18" charset="0"/>
               </a:rPr>
-              <a:t>Biological Modeling:</a:t>
+              <a:t>Biological Modeling</a:t>
             </a:r>
             <a:br>
               <a:rPr lang="en-US" sz="3600" dirty="0">
@@ -3077,12 +3137,12 @@
               </a:rPr>
             </a:br>
             <a:r>
-              <a:rPr lang="en-US" sz="3600" i="1" dirty="0">
+              <a:rPr lang="en-US" sz="3600" b="1" i="1" dirty="0">
                 <a:latin typeface="Charter Roman" panose="02040503050506020203" pitchFamily="18" charset="0"/>
               </a:rPr>
               <a:t>A Short Tour</a:t>
             </a:r>
-            <a:endParaRPr lang="en-US" sz="3600" i="1" dirty="0">
+            <a:endParaRPr lang="en-US" sz="3600" b="1" i="1" dirty="0">
               <a:latin typeface="CHARTER ROMAN" panose="02040503050506020203" pitchFamily="18" charset="0"/>
             </a:endParaRPr>
           </a:p>
@@ -3102,8 +3162,8 @@
         </p:nvSpPr>
         <p:spPr>
           <a:xfrm>
-            <a:off x="1656455" y="7795696"/>
-            <a:ext cx="3087888" cy="338554"/>
+            <a:off x="1656455" y="7952601"/>
+            <a:ext cx="3087888" cy="276999"/>
           </a:xfrm>
           <a:prstGeom prst="rect">
             <a:avLst/>
@@ -3118,14 +3178,11 @@
           <a:p>
             <a:pPr algn="ctr"/>
             <a:r>
-              <a:rPr lang="en-US" sz="1600" dirty="0">
+              <a:rPr lang="en-US" sz="1200" dirty="0">
                 <a:latin typeface="Charter Roman" panose="02040503050506020203" pitchFamily="18" charset="0"/>
               </a:rPr>
               <a:t>© 2022</a:t>
             </a:r>
-            <a:endParaRPr lang="en-US" sz="1600" dirty="0">
-              <a:latin typeface="Charter Roman" panose="02040503050506020203" pitchFamily="18" charset="0"/>
-            </a:endParaRPr>
           </a:p>
         </p:txBody>
       </p:sp>
@@ -3164,8 +3221,8 @@
         </p:blipFill>
         <p:spPr>
           <a:xfrm>
-            <a:off x="1742539" y="2796863"/>
-            <a:ext cx="2915721" cy="2915721"/>
+            <a:off x="2133079" y="2982599"/>
+            <a:ext cx="2134629" cy="2134629"/>
           </a:xfrm>
           <a:prstGeom prst="rect">
             <a:avLst/>

--- a/figures/cover_page.pptx
+++ b/figures/cover_page.pptx
@@ -6,6 +6,7 @@
   </p:sldMasterIdLst>
   <p:sldIdLst>
     <p:sldId id="256" r:id="rId2"/>
+    <p:sldId id="257" r:id="rId3"/>
   </p:sldIdLst>
   <p:sldSz cx="6400800" cy="8229600"/>
   <p:notesSz cx="6858000" cy="9144000"/>
@@ -243,7 +244,7 @@
           <a:p>
             <a:fld id="{9D0A19FE-C9DB-594E-B6DA-BE8D5EA5DEA3}" type="datetimeFigureOut">
               <a:rPr lang="en-US" smtClean="0"/>
-              <a:t>5/17/22</a:t>
+              <a:t>9/24/22</a:t>
             </a:fld>
             <a:endParaRPr lang="en-US"/>
           </a:p>
@@ -413,7 +414,7 @@
           <a:p>
             <a:fld id="{9D0A19FE-C9DB-594E-B6DA-BE8D5EA5DEA3}" type="datetimeFigureOut">
               <a:rPr lang="en-US" smtClean="0"/>
-              <a:t>5/17/22</a:t>
+              <a:t>9/24/22</a:t>
             </a:fld>
             <a:endParaRPr lang="en-US"/>
           </a:p>
@@ -593,7 +594,7 @@
           <a:p>
             <a:fld id="{9D0A19FE-C9DB-594E-B6DA-BE8D5EA5DEA3}" type="datetimeFigureOut">
               <a:rPr lang="en-US" smtClean="0"/>
-              <a:t>5/17/22</a:t>
+              <a:t>9/24/22</a:t>
             </a:fld>
             <a:endParaRPr lang="en-US"/>
           </a:p>
@@ -763,7 +764,7 @@
           <a:p>
             <a:fld id="{9D0A19FE-C9DB-594E-B6DA-BE8D5EA5DEA3}" type="datetimeFigureOut">
               <a:rPr lang="en-US" smtClean="0"/>
-              <a:t>5/17/22</a:t>
+              <a:t>9/24/22</a:t>
             </a:fld>
             <a:endParaRPr lang="en-US"/>
           </a:p>
@@ -1007,7 +1008,7 @@
           <a:p>
             <a:fld id="{9D0A19FE-C9DB-594E-B6DA-BE8D5EA5DEA3}" type="datetimeFigureOut">
               <a:rPr lang="en-US" smtClean="0"/>
-              <a:t>5/17/22</a:t>
+              <a:t>9/24/22</a:t>
             </a:fld>
             <a:endParaRPr lang="en-US"/>
           </a:p>
@@ -1239,7 +1240,7 @@
           <a:p>
             <a:fld id="{9D0A19FE-C9DB-594E-B6DA-BE8D5EA5DEA3}" type="datetimeFigureOut">
               <a:rPr lang="en-US" smtClean="0"/>
-              <a:t>5/17/22</a:t>
+              <a:t>9/24/22</a:t>
             </a:fld>
             <a:endParaRPr lang="en-US"/>
           </a:p>
@@ -1606,7 +1607,7 @@
           <a:p>
             <a:fld id="{9D0A19FE-C9DB-594E-B6DA-BE8D5EA5DEA3}" type="datetimeFigureOut">
               <a:rPr lang="en-US" smtClean="0"/>
-              <a:t>5/17/22</a:t>
+              <a:t>9/24/22</a:t>
             </a:fld>
             <a:endParaRPr lang="en-US"/>
           </a:p>
@@ -1724,7 +1725,7 @@
           <a:p>
             <a:fld id="{9D0A19FE-C9DB-594E-B6DA-BE8D5EA5DEA3}" type="datetimeFigureOut">
               <a:rPr lang="en-US" smtClean="0"/>
-              <a:t>5/17/22</a:t>
+              <a:t>9/24/22</a:t>
             </a:fld>
             <a:endParaRPr lang="en-US"/>
           </a:p>
@@ -1819,7 +1820,7 @@
           <a:p>
             <a:fld id="{9D0A19FE-C9DB-594E-B6DA-BE8D5EA5DEA3}" type="datetimeFigureOut">
               <a:rPr lang="en-US" smtClean="0"/>
-              <a:t>5/17/22</a:t>
+              <a:t>9/24/22</a:t>
             </a:fld>
             <a:endParaRPr lang="en-US"/>
           </a:p>
@@ -2096,7 +2097,7 @@
           <a:p>
             <a:fld id="{9D0A19FE-C9DB-594E-B6DA-BE8D5EA5DEA3}" type="datetimeFigureOut">
               <a:rPr lang="en-US" smtClean="0"/>
-              <a:t>5/17/22</a:t>
+              <a:t>9/24/22</a:t>
             </a:fld>
             <a:endParaRPr lang="en-US"/>
           </a:p>
@@ -2353,7 +2354,7 @@
           <a:p>
             <a:fld id="{9D0A19FE-C9DB-594E-B6DA-BE8D5EA5DEA3}" type="datetimeFigureOut">
               <a:rPr lang="en-US" smtClean="0"/>
-              <a:t>5/17/22</a:t>
+              <a:t>9/24/22</a:t>
             </a:fld>
             <a:endParaRPr lang="en-US"/>
           </a:p>
@@ -2566,7 +2567,7 @@
           <a:p>
             <a:fld id="{9D0A19FE-C9DB-594E-B6DA-BE8D5EA5DEA3}" type="datetimeFigureOut">
               <a:rPr lang="en-US" smtClean="0"/>
-              <a:t>5/17/22</a:t>
+              <a:t>9/24/22</a:t>
             </a:fld>
             <a:endParaRPr lang="en-US"/>
           </a:p>
@@ -3242,6 +3243,88 @@
 </p:sld>
 </file>
 
+<file path=ppt/slides/slide2.xml><?xml version="1.0" encoding="utf-8"?>
+<p:sld xmlns:a="http://schemas.openxmlformats.org/drawingml/2006/main" xmlns:r="http://schemas.openxmlformats.org/officeDocument/2006/relationships" xmlns:p="http://schemas.openxmlformats.org/presentationml/2006/main">
+  <p:cSld>
+    <p:spTree>
+      <p:nvGrpSpPr>
+        <p:cNvPr id="1" name=""/>
+        <p:cNvGrpSpPr/>
+        <p:nvPr/>
+      </p:nvGrpSpPr>
+      <p:grpSpPr>
+        <a:xfrm>
+          <a:off x="0" y="0"/>
+          <a:ext cx="0" cy="0"/>
+          <a:chOff x="0" y="0"/>
+          <a:chExt cx="0" cy="0"/>
+        </a:xfrm>
+      </p:grpSpPr>
+      <p:sp>
+        <p:nvSpPr>
+          <p:cNvPr id="9" name="TextBox 8">
+            <a:extLst>
+              <a:ext uri="{FF2B5EF4-FFF2-40B4-BE49-F238E27FC236}">
+                <a16:creationId xmlns:a16="http://schemas.microsoft.com/office/drawing/2014/main" id="{B7102314-3DA5-1345-9B50-AD93D3D6EDF4}"/>
+              </a:ext>
+            </a:extLst>
+          </p:cNvPr>
+          <p:cNvSpPr txBox="1"/>
+          <p:nvPr/>
+        </p:nvSpPr>
+        <p:spPr>
+          <a:xfrm>
+            <a:off x="834571" y="1782270"/>
+            <a:ext cx="4731657" cy="1200329"/>
+          </a:xfrm>
+          <a:prstGeom prst="rect">
+            <a:avLst/>
+          </a:prstGeom>
+          <a:noFill/>
+        </p:spPr>
+        <p:txBody>
+          <a:bodyPr wrap="square" rtlCol="0">
+            <a:spAutoFit/>
+          </a:bodyPr>
+          <a:lstStyle/>
+          <a:p>
+            <a:pPr algn="ctr"/>
+            <a:r>
+              <a:rPr lang="en-US" sz="3600" b="1" dirty="0">
+                <a:latin typeface="Charter Roman" panose="02040503050506020203" pitchFamily="18" charset="0"/>
+              </a:rPr>
+              <a:t>Biological Modeling</a:t>
+            </a:r>
+            <a:br>
+              <a:rPr lang="en-US" sz="3600" dirty="0">
+                <a:latin typeface="Charter Roman" panose="02040503050506020203" pitchFamily="18" charset="0"/>
+              </a:rPr>
+            </a:br>
+            <a:r>
+              <a:rPr lang="en-US" sz="3600" b="1" i="1" dirty="0">
+                <a:latin typeface="Charter Roman" panose="02040503050506020203" pitchFamily="18" charset="0"/>
+              </a:rPr>
+              <a:t>A Short Tour</a:t>
+            </a:r>
+            <a:endParaRPr lang="en-US" sz="3600" b="1" i="1" dirty="0">
+              <a:latin typeface="CHARTER ROMAN" panose="02040503050506020203" pitchFamily="18" charset="0"/>
+            </a:endParaRPr>
+          </a:p>
+        </p:txBody>
+      </p:sp>
+    </p:spTree>
+    <p:extLst>
+      <p:ext uri="{BB962C8B-B14F-4D97-AF65-F5344CB8AC3E}">
+        <p14:creationId xmlns:p14="http://schemas.microsoft.com/office/powerpoint/2010/main" val="917438232"/>
+      </p:ext>
+    </p:extLst>
+  </p:cSld>
+  <p:clrMapOvr>
+    <a:masterClrMapping/>
+  </p:clrMapOvr>
+</p:sld>
+</file>
+
 <file path=ppt/theme/theme1.xml><?xml version="1.0" encoding="utf-8"?>
 <a:theme xmlns:a="http://schemas.openxmlformats.org/drawingml/2006/main" name="Office Theme">
   <a:themeElements>

--- a/figures/cover_page.pptx
+++ b/figures/cover_page.pptx
@@ -244,7 +244,7 @@
           <a:p>
             <a:fld id="{9D0A19FE-C9DB-594E-B6DA-BE8D5EA5DEA3}" type="datetimeFigureOut">
               <a:rPr lang="en-US" smtClean="0"/>
-              <a:t>9/24/22</a:t>
+              <a:t>10/4/22</a:t>
             </a:fld>
             <a:endParaRPr lang="en-US"/>
           </a:p>
@@ -414,7 +414,7 @@
           <a:p>
             <a:fld id="{9D0A19FE-C9DB-594E-B6DA-BE8D5EA5DEA3}" type="datetimeFigureOut">
               <a:rPr lang="en-US" smtClean="0"/>
-              <a:t>9/24/22</a:t>
+              <a:t>10/4/22</a:t>
             </a:fld>
             <a:endParaRPr lang="en-US"/>
           </a:p>
@@ -594,7 +594,7 @@
           <a:p>
             <a:fld id="{9D0A19FE-C9DB-594E-B6DA-BE8D5EA5DEA3}" type="datetimeFigureOut">
               <a:rPr lang="en-US" smtClean="0"/>
-              <a:t>9/24/22</a:t>
+              <a:t>10/4/22</a:t>
             </a:fld>
             <a:endParaRPr lang="en-US"/>
           </a:p>
@@ -764,7 +764,7 @@
           <a:p>
             <a:fld id="{9D0A19FE-C9DB-594E-B6DA-BE8D5EA5DEA3}" type="datetimeFigureOut">
               <a:rPr lang="en-US" smtClean="0"/>
-              <a:t>9/24/22</a:t>
+              <a:t>10/4/22</a:t>
             </a:fld>
             <a:endParaRPr lang="en-US"/>
           </a:p>
@@ -1008,7 +1008,7 @@
           <a:p>
             <a:fld id="{9D0A19FE-C9DB-594E-B6DA-BE8D5EA5DEA3}" type="datetimeFigureOut">
               <a:rPr lang="en-US" smtClean="0"/>
-              <a:t>9/24/22</a:t>
+              <a:t>10/4/22</a:t>
             </a:fld>
             <a:endParaRPr lang="en-US"/>
           </a:p>
@@ -1240,7 +1240,7 @@
           <a:p>
             <a:fld id="{9D0A19FE-C9DB-594E-B6DA-BE8D5EA5DEA3}" type="datetimeFigureOut">
               <a:rPr lang="en-US" smtClean="0"/>
-              <a:t>9/24/22</a:t>
+              <a:t>10/4/22</a:t>
             </a:fld>
             <a:endParaRPr lang="en-US"/>
           </a:p>
@@ -1607,7 +1607,7 @@
           <a:p>
             <a:fld id="{9D0A19FE-C9DB-594E-B6DA-BE8D5EA5DEA3}" type="datetimeFigureOut">
               <a:rPr lang="en-US" smtClean="0"/>
-              <a:t>9/24/22</a:t>
+              <a:t>10/4/22</a:t>
             </a:fld>
             <a:endParaRPr lang="en-US"/>
           </a:p>
@@ -1725,7 +1725,7 @@
           <a:p>
             <a:fld id="{9D0A19FE-C9DB-594E-B6DA-BE8D5EA5DEA3}" type="datetimeFigureOut">
               <a:rPr lang="en-US" smtClean="0"/>
-              <a:t>9/24/22</a:t>
+              <a:t>10/4/22</a:t>
             </a:fld>
             <a:endParaRPr lang="en-US"/>
           </a:p>
@@ -1820,7 +1820,7 @@
           <a:p>
             <a:fld id="{9D0A19FE-C9DB-594E-B6DA-BE8D5EA5DEA3}" type="datetimeFigureOut">
               <a:rPr lang="en-US" smtClean="0"/>
-              <a:t>9/24/22</a:t>
+              <a:t>10/4/22</a:t>
             </a:fld>
             <a:endParaRPr lang="en-US"/>
           </a:p>
@@ -2097,7 +2097,7 @@
           <a:p>
             <a:fld id="{9D0A19FE-C9DB-594E-B6DA-BE8D5EA5DEA3}" type="datetimeFigureOut">
               <a:rPr lang="en-US" smtClean="0"/>
-              <a:t>9/24/22</a:t>
+              <a:t>10/4/22</a:t>
             </a:fld>
             <a:endParaRPr lang="en-US"/>
           </a:p>
@@ -2354,7 +2354,7 @@
           <a:p>
             <a:fld id="{9D0A19FE-C9DB-594E-B6DA-BE8D5EA5DEA3}" type="datetimeFigureOut">
               <a:rPr lang="en-US" smtClean="0"/>
-              <a:t>9/24/22</a:t>
+              <a:t>10/4/22</a:t>
             </a:fld>
             <a:endParaRPr lang="en-US"/>
           </a:p>
@@ -2567,7 +2567,7 @@
           <a:p>
             <a:fld id="{9D0A19FE-C9DB-594E-B6DA-BE8D5EA5DEA3}" type="datetimeFigureOut">
               <a:rPr lang="en-US" smtClean="0"/>
-              <a:t>9/24/22</a:t>
+              <a:t>10/4/22</a:t>
             </a:fld>
             <a:endParaRPr lang="en-US"/>
           </a:p>
@@ -2993,7 +2993,7 @@
         </p:blipFill>
         <p:spPr>
           <a:xfrm>
-            <a:off x="2427513" y="7259639"/>
+            <a:off x="2427513" y="7057764"/>
             <a:ext cx="1545772" cy="585703"/>
           </a:xfrm>
           <a:prstGeom prst="rect">
@@ -3015,7 +3015,7 @@
         </p:nvSpPr>
         <p:spPr>
           <a:xfrm>
-            <a:off x="187031" y="5016449"/>
+            <a:off x="187031" y="4354631"/>
             <a:ext cx="6026727" cy="1015663"/>
           </a:xfrm>
           <a:prstGeom prst="rect">
@@ -3111,7 +3111,7 @@
         </p:nvSpPr>
         <p:spPr>
           <a:xfrm>
-            <a:off x="834571" y="1782270"/>
+            <a:off x="834571" y="1120452"/>
             <a:ext cx="4731657" cy="1200329"/>
           </a:xfrm>
           <a:prstGeom prst="rect">
@@ -3163,7 +3163,7 @@
         </p:nvSpPr>
         <p:spPr>
           <a:xfrm>
-            <a:off x="1656455" y="7952601"/>
+            <a:off x="1656455" y="7750726"/>
             <a:ext cx="3087888" cy="276999"/>
           </a:xfrm>
           <a:prstGeom prst="rect">
@@ -3222,7 +3222,7 @@
         </p:blipFill>
         <p:spPr>
           <a:xfrm>
-            <a:off x="2133079" y="2982599"/>
+            <a:off x="2133079" y="2320781"/>
             <a:ext cx="2134629" cy="2134629"/>
           </a:xfrm>
           <a:prstGeom prst="rect">

--- a/figures/cover_page.pptx
+++ b/figures/cover_page.pptx
@@ -244,7 +244,7 @@
           <a:p>
             <a:fld id="{9D0A19FE-C9DB-594E-B6DA-BE8D5EA5DEA3}" type="datetimeFigureOut">
               <a:rPr lang="en-US" smtClean="0"/>
-              <a:t>10/4/22</a:t>
+              <a:t>10/5/22</a:t>
             </a:fld>
             <a:endParaRPr lang="en-US"/>
           </a:p>
@@ -414,7 +414,7 @@
           <a:p>
             <a:fld id="{9D0A19FE-C9DB-594E-B6DA-BE8D5EA5DEA3}" type="datetimeFigureOut">
               <a:rPr lang="en-US" smtClean="0"/>
-              <a:t>10/4/22</a:t>
+              <a:t>10/5/22</a:t>
             </a:fld>
             <a:endParaRPr lang="en-US"/>
           </a:p>
@@ -594,7 +594,7 @@
           <a:p>
             <a:fld id="{9D0A19FE-C9DB-594E-B6DA-BE8D5EA5DEA3}" type="datetimeFigureOut">
               <a:rPr lang="en-US" smtClean="0"/>
-              <a:t>10/4/22</a:t>
+              <a:t>10/5/22</a:t>
             </a:fld>
             <a:endParaRPr lang="en-US"/>
           </a:p>
@@ -764,7 +764,7 @@
           <a:p>
             <a:fld id="{9D0A19FE-C9DB-594E-B6DA-BE8D5EA5DEA3}" type="datetimeFigureOut">
               <a:rPr lang="en-US" smtClean="0"/>
-              <a:t>10/4/22</a:t>
+              <a:t>10/5/22</a:t>
             </a:fld>
             <a:endParaRPr lang="en-US"/>
           </a:p>
@@ -1008,7 +1008,7 @@
           <a:p>
             <a:fld id="{9D0A19FE-C9DB-594E-B6DA-BE8D5EA5DEA3}" type="datetimeFigureOut">
               <a:rPr lang="en-US" smtClean="0"/>
-              <a:t>10/4/22</a:t>
+              <a:t>10/5/22</a:t>
             </a:fld>
             <a:endParaRPr lang="en-US"/>
           </a:p>
@@ -1240,7 +1240,7 @@
           <a:p>
             <a:fld id="{9D0A19FE-C9DB-594E-B6DA-BE8D5EA5DEA3}" type="datetimeFigureOut">
               <a:rPr lang="en-US" smtClean="0"/>
-              <a:t>10/4/22</a:t>
+              <a:t>10/5/22</a:t>
             </a:fld>
             <a:endParaRPr lang="en-US"/>
           </a:p>
@@ -1607,7 +1607,7 @@
           <a:p>
             <a:fld id="{9D0A19FE-C9DB-594E-B6DA-BE8D5EA5DEA3}" type="datetimeFigureOut">
               <a:rPr lang="en-US" smtClean="0"/>
-              <a:t>10/4/22</a:t>
+              <a:t>10/5/22</a:t>
             </a:fld>
             <a:endParaRPr lang="en-US"/>
           </a:p>
@@ -1725,7 +1725,7 @@
           <a:p>
             <a:fld id="{9D0A19FE-C9DB-594E-B6DA-BE8D5EA5DEA3}" type="datetimeFigureOut">
               <a:rPr lang="en-US" smtClean="0"/>
-              <a:t>10/4/22</a:t>
+              <a:t>10/5/22</a:t>
             </a:fld>
             <a:endParaRPr lang="en-US"/>
           </a:p>
@@ -1820,7 +1820,7 @@
           <a:p>
             <a:fld id="{9D0A19FE-C9DB-594E-B6DA-BE8D5EA5DEA3}" type="datetimeFigureOut">
               <a:rPr lang="en-US" smtClean="0"/>
-              <a:t>10/4/22</a:t>
+              <a:t>10/5/22</a:t>
             </a:fld>
             <a:endParaRPr lang="en-US"/>
           </a:p>
@@ -2097,7 +2097,7 @@
           <a:p>
             <a:fld id="{9D0A19FE-C9DB-594E-B6DA-BE8D5EA5DEA3}" type="datetimeFigureOut">
               <a:rPr lang="en-US" smtClean="0"/>
-              <a:t>10/4/22</a:t>
+              <a:t>10/5/22</a:t>
             </a:fld>
             <a:endParaRPr lang="en-US"/>
           </a:p>
@@ -2354,7 +2354,7 @@
           <a:p>
             <a:fld id="{9D0A19FE-C9DB-594E-B6DA-BE8D5EA5DEA3}" type="datetimeFigureOut">
               <a:rPr lang="en-US" smtClean="0"/>
-              <a:t>10/4/22</a:t>
+              <a:t>10/5/22</a:t>
             </a:fld>
             <a:endParaRPr lang="en-US"/>
           </a:p>
@@ -2567,7 +2567,7 @@
           <a:p>
             <a:fld id="{9D0A19FE-C9DB-594E-B6DA-BE8D5EA5DEA3}" type="datetimeFigureOut">
               <a:rPr lang="en-US" smtClean="0"/>
-              <a:t>10/4/22</a:t>
+              <a:t>10/5/22</a:t>
             </a:fld>
             <a:endParaRPr lang="en-US"/>
           </a:p>
@@ -2993,7 +2993,7 @@
         </p:blipFill>
         <p:spPr>
           <a:xfrm>
-            <a:off x="2427513" y="7057764"/>
+            <a:off x="2427513" y="6974639"/>
             <a:ext cx="1545772" cy="585703"/>
           </a:xfrm>
           <a:prstGeom prst="rect">
@@ -3015,7 +3015,7 @@
         </p:nvSpPr>
         <p:spPr>
           <a:xfrm>
-            <a:off x="187031" y="4354631"/>
+            <a:off x="187031" y="4548979"/>
             <a:ext cx="6026727" cy="1015663"/>
           </a:xfrm>
           <a:prstGeom prst="rect">
@@ -3094,58 +3094,6 @@
               </a:rPr>
               <a:t> Li</a:t>
             </a:r>
-          </a:p>
-        </p:txBody>
-      </p:sp>
-      <p:sp>
-        <p:nvSpPr>
-          <p:cNvPr id="9" name="TextBox 8">
-            <a:extLst>
-              <a:ext uri="{FF2B5EF4-FFF2-40B4-BE49-F238E27FC236}">
-                <a16:creationId xmlns:a16="http://schemas.microsoft.com/office/drawing/2014/main" id="{B7102314-3DA5-1345-9B50-AD93D3D6EDF4}"/>
-              </a:ext>
-            </a:extLst>
-          </p:cNvPr>
-          <p:cNvSpPr txBox="1"/>
-          <p:nvPr/>
-        </p:nvSpPr>
-        <p:spPr>
-          <a:xfrm>
-            <a:off x="834571" y="1120452"/>
-            <a:ext cx="4731657" cy="1200329"/>
-          </a:xfrm>
-          <a:prstGeom prst="rect">
-            <a:avLst/>
-          </a:prstGeom>
-          <a:noFill/>
-        </p:spPr>
-        <p:txBody>
-          <a:bodyPr wrap="square" rtlCol="0">
-            <a:spAutoFit/>
-          </a:bodyPr>
-          <a:lstStyle/>
-          <a:p>
-            <a:pPr algn="ctr"/>
-            <a:r>
-              <a:rPr lang="en-US" sz="3600" b="1" dirty="0">
-                <a:latin typeface="Charter Roman" panose="02040503050506020203" pitchFamily="18" charset="0"/>
-              </a:rPr>
-              <a:t>Biological Modeling</a:t>
-            </a:r>
-            <a:br>
-              <a:rPr lang="en-US" sz="3600" dirty="0">
-                <a:latin typeface="Charter Roman" panose="02040503050506020203" pitchFamily="18" charset="0"/>
-              </a:rPr>
-            </a:br>
-            <a:r>
-              <a:rPr lang="en-US" sz="3600" b="1" i="1" dirty="0">
-                <a:latin typeface="Charter Roman" panose="02040503050506020203" pitchFamily="18" charset="0"/>
-              </a:rPr>
-              <a:t>A Short Tour</a:t>
-            </a:r>
-            <a:endParaRPr lang="en-US" sz="3600" b="1" i="1" dirty="0">
-              <a:latin typeface="CHARTER ROMAN" panose="02040503050506020203" pitchFamily="18" charset="0"/>
-            </a:endParaRPr>
           </a:p>
         </p:txBody>
       </p:sp>
@@ -3163,7 +3111,7 @@
         </p:nvSpPr>
         <p:spPr>
           <a:xfrm>
-            <a:off x="1656455" y="7750726"/>
+            <a:off x="1656455" y="7667601"/>
             <a:ext cx="3087888" cy="276999"/>
           </a:xfrm>
           <a:prstGeom prst="rect">
@@ -3222,7 +3170,7 @@
         </p:blipFill>
         <p:spPr>
           <a:xfrm>
-            <a:off x="2133079" y="2320781"/>
+            <a:off x="2133079" y="2574504"/>
             <a:ext cx="2134629" cy="2134629"/>
           </a:xfrm>
           <a:prstGeom prst="rect">
@@ -3230,6 +3178,58 @@
           </a:prstGeom>
         </p:spPr>
       </p:pic>
+      <p:sp>
+        <p:nvSpPr>
+          <p:cNvPr id="2" name="TextBox 1">
+            <a:extLst>
+              <a:ext uri="{FF2B5EF4-FFF2-40B4-BE49-F238E27FC236}">
+                <a16:creationId xmlns:a16="http://schemas.microsoft.com/office/drawing/2014/main" id="{F1B1A890-A31B-E6B7-DB91-312CD9A698FC}"/>
+              </a:ext>
+            </a:extLst>
+          </p:cNvPr>
+          <p:cNvSpPr txBox="1"/>
+          <p:nvPr/>
+        </p:nvSpPr>
+        <p:spPr>
+          <a:xfrm>
+            <a:off x="834571" y="1465982"/>
+            <a:ext cx="4731657" cy="1200329"/>
+          </a:xfrm>
+          <a:prstGeom prst="rect">
+            <a:avLst/>
+          </a:prstGeom>
+          <a:noFill/>
+        </p:spPr>
+        <p:txBody>
+          <a:bodyPr wrap="square" rtlCol="0">
+            <a:spAutoFit/>
+          </a:bodyPr>
+          <a:lstStyle/>
+          <a:p>
+            <a:pPr algn="ctr"/>
+            <a:r>
+              <a:rPr lang="en-US" sz="3600" b="1" dirty="0">
+                <a:latin typeface="Charter Roman" panose="02040503050506020203" pitchFamily="18" charset="0"/>
+              </a:rPr>
+              <a:t>Biological Modeling</a:t>
+            </a:r>
+            <a:br>
+              <a:rPr lang="en-US" sz="3600" dirty="0">
+                <a:latin typeface="Charter Roman" panose="02040503050506020203" pitchFamily="18" charset="0"/>
+              </a:rPr>
+            </a:br>
+            <a:r>
+              <a:rPr lang="en-US" sz="3600" b="1" i="1" dirty="0">
+                <a:latin typeface="Charter Roman" panose="02040503050506020203" pitchFamily="18" charset="0"/>
+              </a:rPr>
+              <a:t>A Short Tour</a:t>
+            </a:r>
+            <a:endParaRPr lang="en-US" sz="3600" b="1" i="1" dirty="0">
+              <a:latin typeface="CHARTER ROMAN" panose="02040503050506020203" pitchFamily="18" charset="0"/>
+            </a:endParaRPr>
+          </a:p>
+        </p:txBody>
+      </p:sp>
     </p:spTree>
     <p:extLst>
       <p:ext uri="{BB962C8B-B14F-4D97-AF65-F5344CB8AC3E}">
@@ -3262,10 +3262,10 @@
       </p:grpSpPr>
       <p:sp>
         <p:nvSpPr>
-          <p:cNvPr id="9" name="TextBox 8">
+          <p:cNvPr id="2" name="TextBox 1">
             <a:extLst>
               <a:ext uri="{FF2B5EF4-FFF2-40B4-BE49-F238E27FC236}">
-                <a16:creationId xmlns:a16="http://schemas.microsoft.com/office/drawing/2014/main" id="{B7102314-3DA5-1345-9B50-AD93D3D6EDF4}"/>
+                <a16:creationId xmlns:a16="http://schemas.microsoft.com/office/drawing/2014/main" id="{5B6DE07A-12C4-6526-A5B0-263794725AC1}"/>
               </a:ext>
             </a:extLst>
           </p:cNvPr>
@@ -3274,7 +3274,7 @@
         </p:nvSpPr>
         <p:spPr>
           <a:xfrm>
-            <a:off x="834571" y="1782270"/>
+            <a:off x="834571" y="1465982"/>
             <a:ext cx="4731657" cy="1200329"/>
           </a:xfrm>
           <a:prstGeom prst="rect">

--- a/figures/cover_page.pptx
+++ b/figures/cover_page.pptx
@@ -244,7 +244,7 @@
           <a:p>
             <a:fld id="{9D0A19FE-C9DB-594E-B6DA-BE8D5EA5DEA3}" type="datetimeFigureOut">
               <a:rPr lang="en-US" smtClean="0"/>
-              <a:t>10/5/22</a:t>
+              <a:t>10/17/22</a:t>
             </a:fld>
             <a:endParaRPr lang="en-US"/>
           </a:p>
@@ -414,7 +414,7 @@
           <a:p>
             <a:fld id="{9D0A19FE-C9DB-594E-B6DA-BE8D5EA5DEA3}" type="datetimeFigureOut">
               <a:rPr lang="en-US" smtClean="0"/>
-              <a:t>10/5/22</a:t>
+              <a:t>10/17/22</a:t>
             </a:fld>
             <a:endParaRPr lang="en-US"/>
           </a:p>
@@ -594,7 +594,7 @@
           <a:p>
             <a:fld id="{9D0A19FE-C9DB-594E-B6DA-BE8D5EA5DEA3}" type="datetimeFigureOut">
               <a:rPr lang="en-US" smtClean="0"/>
-              <a:t>10/5/22</a:t>
+              <a:t>10/17/22</a:t>
             </a:fld>
             <a:endParaRPr lang="en-US"/>
           </a:p>
@@ -764,7 +764,7 @@
           <a:p>
             <a:fld id="{9D0A19FE-C9DB-594E-B6DA-BE8D5EA5DEA3}" type="datetimeFigureOut">
               <a:rPr lang="en-US" smtClean="0"/>
-              <a:t>10/5/22</a:t>
+              <a:t>10/17/22</a:t>
             </a:fld>
             <a:endParaRPr lang="en-US"/>
           </a:p>
@@ -1008,7 +1008,7 @@
           <a:p>
             <a:fld id="{9D0A19FE-C9DB-594E-B6DA-BE8D5EA5DEA3}" type="datetimeFigureOut">
               <a:rPr lang="en-US" smtClean="0"/>
-              <a:t>10/5/22</a:t>
+              <a:t>10/17/22</a:t>
             </a:fld>
             <a:endParaRPr lang="en-US"/>
           </a:p>
@@ -1240,7 +1240,7 @@
           <a:p>
             <a:fld id="{9D0A19FE-C9DB-594E-B6DA-BE8D5EA5DEA3}" type="datetimeFigureOut">
               <a:rPr lang="en-US" smtClean="0"/>
-              <a:t>10/5/22</a:t>
+              <a:t>10/17/22</a:t>
             </a:fld>
             <a:endParaRPr lang="en-US"/>
           </a:p>
@@ -1607,7 +1607,7 @@
           <a:p>
             <a:fld id="{9D0A19FE-C9DB-594E-B6DA-BE8D5EA5DEA3}" type="datetimeFigureOut">
               <a:rPr lang="en-US" smtClean="0"/>
-              <a:t>10/5/22</a:t>
+              <a:t>10/17/22</a:t>
             </a:fld>
             <a:endParaRPr lang="en-US"/>
           </a:p>
@@ -1725,7 +1725,7 @@
           <a:p>
             <a:fld id="{9D0A19FE-C9DB-594E-B6DA-BE8D5EA5DEA3}" type="datetimeFigureOut">
               <a:rPr lang="en-US" smtClean="0"/>
-              <a:t>10/5/22</a:t>
+              <a:t>10/17/22</a:t>
             </a:fld>
             <a:endParaRPr lang="en-US"/>
           </a:p>
@@ -1820,7 +1820,7 @@
           <a:p>
             <a:fld id="{9D0A19FE-C9DB-594E-B6DA-BE8D5EA5DEA3}" type="datetimeFigureOut">
               <a:rPr lang="en-US" smtClean="0"/>
-              <a:t>10/5/22</a:t>
+              <a:t>10/17/22</a:t>
             </a:fld>
             <a:endParaRPr lang="en-US"/>
           </a:p>
@@ -2097,7 +2097,7 @@
           <a:p>
             <a:fld id="{9D0A19FE-C9DB-594E-B6DA-BE8D5EA5DEA3}" type="datetimeFigureOut">
               <a:rPr lang="en-US" smtClean="0"/>
-              <a:t>10/5/22</a:t>
+              <a:t>10/17/22</a:t>
             </a:fld>
             <a:endParaRPr lang="en-US"/>
           </a:p>
@@ -2354,7 +2354,7 @@
           <a:p>
             <a:fld id="{9D0A19FE-C9DB-594E-B6DA-BE8D5EA5DEA3}" type="datetimeFigureOut">
               <a:rPr lang="en-US" smtClean="0"/>
-              <a:t>10/5/22</a:t>
+              <a:t>10/17/22</a:t>
             </a:fld>
             <a:endParaRPr lang="en-US"/>
           </a:p>
@@ -2567,7 +2567,7 @@
           <a:p>
             <a:fld id="{9D0A19FE-C9DB-594E-B6DA-BE8D5EA5DEA3}" type="datetimeFigureOut">
               <a:rPr lang="en-US" smtClean="0"/>
-              <a:t>10/5/22</a:t>
+              <a:t>10/17/22</a:t>
             </a:fld>
             <a:endParaRPr lang="en-US"/>
           </a:p>
@@ -3016,7 +3016,7 @@
         <p:spPr>
           <a:xfrm>
             <a:off x="187031" y="4548979"/>
-            <a:ext cx="6026727" cy="1015663"/>
+            <a:ext cx="6026727" cy="1569660"/>
           </a:xfrm>
           <a:prstGeom prst="rect">
             <a:avLst/>
@@ -3052,12 +3052,22 @@
           </a:p>
           <a:p>
             <a:pPr algn="ctr"/>
-            <a:r>
+            <a:br>
               <a:rPr lang="en-US" dirty="0">
                 <a:latin typeface="Charter Roman" panose="02040503050506020203" pitchFamily="18" charset="0"/>
               </a:rPr>
-              <a:t>with </a:t>
-            </a:r>
+            </a:br>
+            <a:r>
+              <a:rPr lang="en-US" dirty="0">
+                <a:latin typeface="Charter Roman" panose="02040503050506020203" pitchFamily="18" charset="0"/>
+              </a:rPr>
+              <a:t>with</a:t>
+            </a:r>
+            <a:br>
+              <a:rPr lang="en-US" dirty="0">
+                <a:latin typeface="Charter Roman" panose="02040503050506020203" pitchFamily="18" charset="0"/>
+              </a:rPr>
+            </a:br>
             <a:r>
               <a:rPr lang="en-US" dirty="0" err="1">
                 <a:latin typeface="Charter Roman" panose="02040503050506020203" pitchFamily="18" charset="0"/>
